--- a/pygame.pptx
+++ b/pygame.pptx
@@ -290,7 +290,7 @@
           <a:p>
             <a:fld id="{F55AB13F-A129-4710-BD12-A5DF2C28CAE8}" type="datetimeFigureOut">
               <a:rPr lang="ru-RU" smtClean="0"/>
-              <a:t>20.04.2019</a:t>
+              <a:t>21.04.2019</a:t>
             </a:fld>
             <a:endParaRPr lang="ru-RU"/>
           </a:p>
@@ -460,7 +460,7 @@
           <a:p>
             <a:fld id="{F55AB13F-A129-4710-BD12-A5DF2C28CAE8}" type="datetimeFigureOut">
               <a:rPr lang="ru-RU" smtClean="0"/>
-              <a:t>20.04.2019</a:t>
+              <a:t>21.04.2019</a:t>
             </a:fld>
             <a:endParaRPr lang="ru-RU"/>
           </a:p>
@@ -640,7 +640,7 @@
           <a:p>
             <a:fld id="{F55AB13F-A129-4710-BD12-A5DF2C28CAE8}" type="datetimeFigureOut">
               <a:rPr lang="ru-RU" smtClean="0"/>
-              <a:t>20.04.2019</a:t>
+              <a:t>21.04.2019</a:t>
             </a:fld>
             <a:endParaRPr lang="ru-RU"/>
           </a:p>
@@ -810,7 +810,7 @@
           <a:p>
             <a:fld id="{F55AB13F-A129-4710-BD12-A5DF2C28CAE8}" type="datetimeFigureOut">
               <a:rPr lang="ru-RU" smtClean="0"/>
-              <a:t>20.04.2019</a:t>
+              <a:t>21.04.2019</a:t>
             </a:fld>
             <a:endParaRPr lang="ru-RU"/>
           </a:p>
@@ -1056,7 +1056,7 @@
           <a:p>
             <a:fld id="{F55AB13F-A129-4710-BD12-A5DF2C28CAE8}" type="datetimeFigureOut">
               <a:rPr lang="ru-RU" smtClean="0"/>
-              <a:t>20.04.2019</a:t>
+              <a:t>21.04.2019</a:t>
             </a:fld>
             <a:endParaRPr lang="ru-RU"/>
           </a:p>
@@ -1344,7 +1344,7 @@
           <a:p>
             <a:fld id="{F55AB13F-A129-4710-BD12-A5DF2C28CAE8}" type="datetimeFigureOut">
               <a:rPr lang="ru-RU" smtClean="0"/>
-              <a:t>20.04.2019</a:t>
+              <a:t>21.04.2019</a:t>
             </a:fld>
             <a:endParaRPr lang="ru-RU"/>
           </a:p>
@@ -1771,7 +1771,7 @@
           <a:p>
             <a:fld id="{F55AB13F-A129-4710-BD12-A5DF2C28CAE8}" type="datetimeFigureOut">
               <a:rPr lang="ru-RU" smtClean="0"/>
-              <a:t>20.04.2019</a:t>
+              <a:t>21.04.2019</a:t>
             </a:fld>
             <a:endParaRPr lang="ru-RU"/>
           </a:p>
@@ -1889,7 +1889,7 @@
           <a:p>
             <a:fld id="{F55AB13F-A129-4710-BD12-A5DF2C28CAE8}" type="datetimeFigureOut">
               <a:rPr lang="ru-RU" smtClean="0"/>
-              <a:t>20.04.2019</a:t>
+              <a:t>21.04.2019</a:t>
             </a:fld>
             <a:endParaRPr lang="ru-RU"/>
           </a:p>
@@ -1984,7 +1984,7 @@
           <a:p>
             <a:fld id="{F55AB13F-A129-4710-BD12-A5DF2C28CAE8}" type="datetimeFigureOut">
               <a:rPr lang="ru-RU" smtClean="0"/>
-              <a:t>20.04.2019</a:t>
+              <a:t>21.04.2019</a:t>
             </a:fld>
             <a:endParaRPr lang="ru-RU"/>
           </a:p>
@@ -2261,7 +2261,7 @@
           <a:p>
             <a:fld id="{F55AB13F-A129-4710-BD12-A5DF2C28CAE8}" type="datetimeFigureOut">
               <a:rPr lang="ru-RU" smtClean="0"/>
-              <a:t>20.04.2019</a:t>
+              <a:t>21.04.2019</a:t>
             </a:fld>
             <a:endParaRPr lang="ru-RU"/>
           </a:p>
@@ -2514,7 +2514,7 @@
           <a:p>
             <a:fld id="{F55AB13F-A129-4710-BD12-A5DF2C28CAE8}" type="datetimeFigureOut">
               <a:rPr lang="ru-RU" smtClean="0"/>
-              <a:t>20.04.2019</a:t>
+              <a:t>21.04.2019</a:t>
             </a:fld>
             <a:endParaRPr lang="ru-RU"/>
           </a:p>
@@ -2727,7 +2727,7 @@
           <a:p>
             <a:fld id="{F55AB13F-A129-4710-BD12-A5DF2C28CAE8}" type="datetimeFigureOut">
               <a:rPr lang="ru-RU" smtClean="0"/>
-              <a:t>20.04.2019</a:t>
+              <a:t>21.04.2019</a:t>
             </a:fld>
             <a:endParaRPr lang="ru-RU"/>
           </a:p>
@@ -3303,7 +3303,12 @@
             <p:ph idx="1"/>
           </p:nvPr>
         </p:nvSpPr>
-        <p:spPr/>
+        <p:spPr>
+          <a:xfrm>
+            <a:off x="640160" y="1977728"/>
+            <a:ext cx="11521440" cy="7024815"/>
+          </a:xfrm>
+        </p:spPr>
         <p:txBody>
           <a:bodyPr>
             <a:normAutofit fontScale="55000" lnSpcReduction="20000"/>
@@ -3376,6 +3381,53 @@
             </a:r>
           </a:p>
           <a:p>
+            <a:r>
+              <a:rPr lang="en-US" dirty="0" err="1"/>
+              <a:t>resetting_parameters</a:t>
+            </a:r>
+            <a:r>
+              <a:rPr lang="en-US" dirty="0"/>
+              <a:t>(x</a:t>
+            </a:r>
+            <a:r>
+              <a:rPr lang="en-US" dirty="0"/>
+              <a:t>, </a:t>
+            </a:r>
+            <a:r>
+              <a:rPr lang="en-US" dirty="0"/>
+              <a:t>y</a:t>
+            </a:r>
+            <a:r>
+              <a:rPr lang="en-US" dirty="0"/>
+              <a:t>, </a:t>
+            </a:r>
+            <a:r>
+              <a:rPr lang="en-US" dirty="0"/>
+              <a:t>t</a:t>
+            </a:r>
+            <a:r>
+              <a:rPr lang="en-US" dirty="0" smtClean="0"/>
+              <a:t>)</a:t>
+            </a:r>
+          </a:p>
+          <a:p>
+            <a:r>
+              <a:rPr lang="en-US" dirty="0"/>
+              <a:t>lvl1</a:t>
+            </a:r>
+            <a:r>
+              <a:rPr lang="en-US" dirty="0" smtClean="0"/>
+              <a:t>()</a:t>
+            </a:r>
+          </a:p>
+          <a:p>
+            <a:r>
+              <a:rPr lang="en-US" dirty="0" smtClean="0"/>
+              <a:t>lvl2()</a:t>
+            </a:r>
+            <a:endParaRPr lang="en-US" dirty="0" smtClean="0"/>
+          </a:p>
+          <a:p>
             <a:pPr marL="0" indent="0">
               <a:buNone/>
             </a:pPr>
@@ -3408,7 +3460,6 @@
               <a:rPr lang="en-US" dirty="0" smtClean="0"/>
               <a:t>)</a:t>
             </a:r>
-            <a:endParaRPr lang="en-US" dirty="0" smtClean="0"/>
           </a:p>
           <a:p>
             <a:r>
@@ -3818,7 +3869,7 @@
         </p:blipFill>
         <p:spPr>
           <a:xfrm>
-            <a:off x="6327079" y="2568352"/>
+            <a:off x="6328815" y="2568352"/>
             <a:ext cx="5977055" cy="4058886"/>
           </a:xfrm>
           <a:prstGeom prst="rect">
